--- a/Poster/MalariaPreventionPoster.pptx
+++ b/Poster/MalariaPreventionPoster.pptx
@@ -255,7 +255,7 @@
           <a:p>
             <a:fld id="{6C66E9BE-1191-426D-AC4A-F8AACB2CA5F4}" type="datetimeFigureOut">
               <a:rPr lang="en-US" smtClean="0"/>
-              <a:t>10/5/2015</a:t>
+              <a:t>10/6/2015</a:t>
             </a:fld>
             <a:endParaRPr lang="en-US"/>
           </a:p>
@@ -425,7 +425,7 @@
           <a:p>
             <a:fld id="{6C66E9BE-1191-426D-AC4A-F8AACB2CA5F4}" type="datetimeFigureOut">
               <a:rPr lang="en-US" smtClean="0"/>
-              <a:t>10/5/2015</a:t>
+              <a:t>10/6/2015</a:t>
             </a:fld>
             <a:endParaRPr lang="en-US"/>
           </a:p>
@@ -605,7 +605,7 @@
           <a:p>
             <a:fld id="{6C66E9BE-1191-426D-AC4A-F8AACB2CA5F4}" type="datetimeFigureOut">
               <a:rPr lang="en-US" smtClean="0"/>
-              <a:t>10/5/2015</a:t>
+              <a:t>10/6/2015</a:t>
             </a:fld>
             <a:endParaRPr lang="en-US"/>
           </a:p>
@@ -775,7 +775,7 @@
           <a:p>
             <a:fld id="{6C66E9BE-1191-426D-AC4A-F8AACB2CA5F4}" type="datetimeFigureOut">
               <a:rPr lang="en-US" smtClean="0"/>
-              <a:t>10/5/2015</a:t>
+              <a:t>10/6/2015</a:t>
             </a:fld>
             <a:endParaRPr lang="en-US"/>
           </a:p>
@@ -1021,7 +1021,7 @@
           <a:p>
             <a:fld id="{6C66E9BE-1191-426D-AC4A-F8AACB2CA5F4}" type="datetimeFigureOut">
               <a:rPr lang="en-US" smtClean="0"/>
-              <a:t>10/5/2015</a:t>
+              <a:t>10/6/2015</a:t>
             </a:fld>
             <a:endParaRPr lang="en-US"/>
           </a:p>
@@ -1253,7 +1253,7 @@
           <a:p>
             <a:fld id="{6C66E9BE-1191-426D-AC4A-F8AACB2CA5F4}" type="datetimeFigureOut">
               <a:rPr lang="en-US" smtClean="0"/>
-              <a:t>10/5/2015</a:t>
+              <a:t>10/6/2015</a:t>
             </a:fld>
             <a:endParaRPr lang="en-US"/>
           </a:p>
@@ -1620,7 +1620,7 @@
           <a:p>
             <a:fld id="{6C66E9BE-1191-426D-AC4A-F8AACB2CA5F4}" type="datetimeFigureOut">
               <a:rPr lang="en-US" smtClean="0"/>
-              <a:t>10/5/2015</a:t>
+              <a:t>10/6/2015</a:t>
             </a:fld>
             <a:endParaRPr lang="en-US"/>
           </a:p>
@@ -1738,7 +1738,7 @@
           <a:p>
             <a:fld id="{6C66E9BE-1191-426D-AC4A-F8AACB2CA5F4}" type="datetimeFigureOut">
               <a:rPr lang="en-US" smtClean="0"/>
-              <a:t>10/5/2015</a:t>
+              <a:t>10/6/2015</a:t>
             </a:fld>
             <a:endParaRPr lang="en-US"/>
           </a:p>
@@ -1833,7 +1833,7 @@
           <a:p>
             <a:fld id="{6C66E9BE-1191-426D-AC4A-F8AACB2CA5F4}" type="datetimeFigureOut">
               <a:rPr lang="en-US" smtClean="0"/>
-              <a:t>10/5/2015</a:t>
+              <a:t>10/6/2015</a:t>
             </a:fld>
             <a:endParaRPr lang="en-US"/>
           </a:p>
@@ -2110,7 +2110,7 @@
           <a:p>
             <a:fld id="{6C66E9BE-1191-426D-AC4A-F8AACB2CA5F4}" type="datetimeFigureOut">
               <a:rPr lang="en-US" smtClean="0"/>
-              <a:t>10/5/2015</a:t>
+              <a:t>10/6/2015</a:t>
             </a:fld>
             <a:endParaRPr lang="en-US"/>
           </a:p>
@@ -2367,7 +2367,7 @@
           <a:p>
             <a:fld id="{6C66E9BE-1191-426D-AC4A-F8AACB2CA5F4}" type="datetimeFigureOut">
               <a:rPr lang="en-US" smtClean="0"/>
-              <a:t>10/5/2015</a:t>
+              <a:t>10/6/2015</a:t>
             </a:fld>
             <a:endParaRPr lang="en-US"/>
           </a:p>
@@ -2585,7 +2585,7 @@
           <a:p>
             <a:fld id="{6C66E9BE-1191-426D-AC4A-F8AACB2CA5F4}" type="datetimeFigureOut">
               <a:rPr lang="en-US" smtClean="0"/>
-              <a:t>10/5/2015</a:t>
+              <a:t>10/6/2015</a:t>
             </a:fld>
             <a:endParaRPr lang="en-US"/>
           </a:p>
@@ -3009,8 +3009,8 @@
         </p:nvSpPr>
         <p:spPr>
           <a:xfrm>
-            <a:off x="35356798" y="5143432"/>
-            <a:ext cx="13944602" cy="8963221"/>
+            <a:off x="34907936" y="5143432"/>
+            <a:ext cx="14393464" cy="9156369"/>
           </a:xfrm>
           <a:prstGeom prst="rect">
             <a:avLst/>
@@ -3255,7 +3255,7 @@
         </p:blipFill>
         <p:spPr bwMode="auto">
           <a:xfrm>
-            <a:off x="35852100" y="5471095"/>
+            <a:off x="35424667" y="5508626"/>
             <a:ext cx="8001000" cy="7851279"/>
           </a:xfrm>
           <a:prstGeom prst="rect">
@@ -3275,8 +3275,8 @@
         </p:nvSpPr>
         <p:spPr>
           <a:xfrm>
-            <a:off x="44348403" y="5579315"/>
-            <a:ext cx="4648198" cy="6555641"/>
+            <a:off x="43942398" y="5579315"/>
+            <a:ext cx="5054203" cy="7848302"/>
           </a:xfrm>
           <a:prstGeom prst="rect">
             <a:avLst/>
@@ -3307,7 +3307,15 @@
             </a:r>
             <a:r>
               <a:rPr lang="en-US" sz="2800" dirty="0"/>
-              <a:t>Interventions targeted at high-risk households would result in good separation between the two densities as we simulated in the bottom panel. The epidemic-prone site shows better targeting of interventions than the endemic site for both interventions</a:t>
+              <a:t>Combined risk is the combination of infection risk and age-based risk and is standardized within a site so that the unit is in standard deviations. </a:t>
+            </a:r>
+            <a:r>
+              <a:rPr lang="en-US" sz="2800" dirty="0" smtClean="0"/>
+              <a:t>Interventions </a:t>
+            </a:r>
+            <a:r>
+              <a:rPr lang="en-US" sz="2800" dirty="0"/>
+              <a:t>targeted at high-risk households would result in good separation between the two densities as we simulated in the bottom panel. The epidemic-prone site shows better targeting of interventions than the endemic site for both interventions</a:t>
             </a:r>
             <a:r>
               <a:rPr lang="en-US" sz="2800" dirty="0" smtClean="0"/>
@@ -3401,7 +3409,6 @@
               <a:rPr lang="en-US" sz="3600" b="1" dirty="0" smtClean="0"/>
               <a:t>Age-based risk</a:t>
             </a:r>
-            <a:endParaRPr lang="en-US" sz="3600" b="1" dirty="0" smtClean="0"/>
           </a:p>
           <a:p>
             <a:r>
@@ -3446,11 +3453,7 @@
             </a:r>
             <a:r>
               <a:rPr lang="en-US" sz="3600" dirty="0" smtClean="0"/>
-              <a:t>and </a:t>
-            </a:r>
-            <a:r>
-              <a:rPr lang="en-US" sz="3600" dirty="0" smtClean="0"/>
-              <a:t>the </a:t>
+              <a:t>and the </a:t>
             </a:r>
             <a:r>
               <a:rPr lang="en-US" sz="3600" dirty="0"/>
@@ -3547,7 +3550,6 @@
               <a:rPr lang="en-US" sz="3600" b="1" dirty="0" smtClean="0"/>
               <a:t>Combined Risk</a:t>
             </a:r>
-            <a:endParaRPr lang="en-US" sz="3600" b="1" dirty="0" smtClean="0"/>
           </a:p>
           <a:p>
             <a:r>
@@ -4831,7 +4833,11 @@
             </a:r>
             <a:r>
               <a:rPr lang="en-US" sz="3200" dirty="0"/>
-              <a:t>Mel &amp; Enid Zuckerman College of Public Health, University of Arizona </a:t>
+              <a:t>Mel &amp; Enid Zuckerman College of Public Health, University of </a:t>
+            </a:r>
+            <a:r>
+              <a:rPr lang="en-US" sz="3200" dirty="0" smtClean="0"/>
+              <a:t>Arizona, </a:t>
             </a:r>
             <a:r>
               <a:rPr lang="en-US" sz="3200" baseline="30000" dirty="0" smtClean="0"/>
@@ -4839,11 +4845,11 @@
             </a:r>
             <a:r>
               <a:rPr lang="en-US" sz="3200" dirty="0" smtClean="0"/>
-              <a:t> </a:t>
+              <a:t>104 </a:t>
             </a:r>
             <a:r>
               <a:rPr lang="en-US" sz="3200" dirty="0"/>
-              <a:t>104 BSE University of Arizona, Tucson, AZ 85721, 520-626-8293, dlaroche@email.arizona.edu</a:t>
+              <a:t>BSE University of Arizona, Tucson, AZ 85721, 520-626-8293, dlaroche@email.arizona.edu</a:t>
             </a:r>
           </a:p>
           <a:p>
@@ -4898,11 +4904,7 @@
             </a:r>
             <a:r>
               <a:rPr lang="en-US" sz="3600" dirty="0" smtClean="0"/>
-              <a:t>I</a:t>
-            </a:r>
-            <a:r>
-              <a:rPr lang="en-US" sz="3600" dirty="0" smtClean="0"/>
-              <a:t>ncorporating </a:t>
+              <a:t>Incorporating </a:t>
             </a:r>
             <a:r>
               <a:rPr lang="en-US" sz="3600" dirty="0"/>
@@ -4962,8 +4964,8 @@
         </p:nvSpPr>
         <p:spPr>
           <a:xfrm>
-            <a:off x="33451800" y="15577222"/>
-            <a:ext cx="15849600" cy="5078313"/>
+            <a:off x="33451800" y="15401032"/>
+            <a:ext cx="15849600" cy="5693866"/>
           </a:xfrm>
           <a:prstGeom prst="rect">
             <a:avLst/>
@@ -4998,8 +5000,13 @@
             </a:pPr>
             <a:r>
               <a:rPr lang="en-US" sz="4000" dirty="0" smtClean="0"/>
-              <a:t>Combining remote-sensed data with household surveys provides valuable information for policy makers</a:t>
-            </a:r>
+              <a:t>Combining remote-sensed data with household surveys provides valuable information for </a:t>
+            </a:r>
+            <a:r>
+              <a:rPr lang="en-US" sz="4000" dirty="0" smtClean="0"/>
+              <a:t>targeting mosquito interventions</a:t>
+            </a:r>
+            <a:endParaRPr lang="en-US" sz="4000" dirty="0" smtClean="0"/>
           </a:p>
           <a:p>
             <a:pPr marL="1143000" indent="-1143000">
@@ -5008,8 +5015,13 @@
             </a:pPr>
             <a:r>
               <a:rPr lang="en-US" sz="4000" dirty="0" smtClean="0"/>
-              <a:t>Current strategies for distributing mosquito interventions in Kenya do not effectively target the highest risk households</a:t>
-            </a:r>
+              <a:t>Current strategies for distributing mosquito interventions in Kenya do not effectively target the highest risk </a:t>
+            </a:r>
+            <a:r>
+              <a:rPr lang="en-US" sz="4000" dirty="0" smtClean="0"/>
+              <a:t>households at an endemic malaria site.</a:t>
+            </a:r>
+            <a:endParaRPr lang="en-US" sz="4000" dirty="0" smtClean="0"/>
           </a:p>
           <a:p>
             <a:pPr marL="1143000" indent="-1143000">
@@ -5052,14 +5064,14 @@
       </p:sp>
       <p:pic>
         <p:nvPicPr>
-          <p:cNvPr id="28" name="Picture 27"/>
+          <p:cNvPr id="3" name="Picture 2"/>
           <p:cNvPicPr>
             <a:picLocks noChangeAspect="1"/>
           </p:cNvPicPr>
           <p:nvPr/>
         </p:nvPicPr>
         <p:blipFill>
-          <a:blip r:embed="rId5" cstate="print">
+          <a:blip r:embed="rId5">
             <a:extLst>
               <a:ext uri="{28A0092B-C50C-407E-A947-70E740481C1C}">
                 <a14:useLocalDpi xmlns:a14="http://schemas.microsoft.com/office/drawing/2010/main" val="0"/>
@@ -5072,8 +5084,38 @@
         </p:blipFill>
         <p:spPr>
           <a:xfrm>
-            <a:off x="33451800" y="28512662"/>
-            <a:ext cx="5400675" cy="1285875"/>
+            <a:off x="34147125" y="28785248"/>
+            <a:ext cx="5191673" cy="818452"/>
+          </a:xfrm>
+          <a:prstGeom prst="rect">
+            <a:avLst/>
+          </a:prstGeom>
+        </p:spPr>
+      </p:pic>
+      <p:pic>
+        <p:nvPicPr>
+          <p:cNvPr id="8" name="Picture 7"/>
+          <p:cNvPicPr>
+            <a:picLocks noChangeAspect="1"/>
+          </p:cNvPicPr>
+          <p:nvPr/>
+        </p:nvPicPr>
+        <p:blipFill>
+          <a:blip r:embed="rId6" cstate="print">
+            <a:extLst>
+              <a:ext uri="{28A0092B-C50C-407E-A947-70E740481C1C}">
+                <a14:useLocalDpi xmlns:a14="http://schemas.microsoft.com/office/drawing/2010/main" val="0"/>
+              </a:ext>
+            </a:extLst>
+          </a:blip>
+          <a:stretch>
+            <a:fillRect/>
+          </a:stretch>
+        </p:blipFill>
+        <p:spPr>
+          <a:xfrm>
+            <a:off x="40504466" y="28317299"/>
+            <a:ext cx="1744267" cy="1754349"/>
           </a:xfrm>
           <a:prstGeom prst="rect">
             <a:avLst/>
